--- a/S2特別研究/slide.pptx
+++ b/S2特別研究/slide.pptx
@@ -250,7 +250,7 @@
           <a:p>
             <a:fld id="{23974E77-697C-D646-8F1F-1A3ED3ABE3D1}" type="datetimeFigureOut">
               <a:rPr kumimoji="1" lang="ja-JP" altLang="en-US" smtClean="0"/>
-              <a:t>2024/1/13</a:t>
+              <a:t>2024/1/19</a:t>
             </a:fld>
             <a:endParaRPr kumimoji="1" lang="ja-JP" altLang="en-US"/>
           </a:p>
@@ -428,7 +428,7 @@
           <a:p>
             <a:fld id="{17D192C1-6C19-F249-8CAC-F9B6B4F5C69C}" type="datetimeFigureOut">
               <a:rPr kumimoji="1" lang="ja-JP" altLang="en-US" smtClean="0"/>
-              <a:t>2024/1/13</a:t>
+              <a:t>2024/1/19</a:t>
             </a:fld>
             <a:endParaRPr kumimoji="1" lang="ja-JP" altLang="en-US"/>
           </a:p>
@@ -5317,6 +5317,7 @@
               <a:rPr kumimoji="1" lang="ja-JP" altLang="en-US"/>
               <a:t>被験者について</a:t>
             </a:r>
+            <a:endParaRPr kumimoji="1" lang="en-US" altLang="ja-JP" dirty="0"/>
           </a:p>
         </p:txBody>
       </p:sp>
@@ -8194,6 +8195,13 @@
             </a:r>
             <a:endParaRPr kumimoji="1" lang="en-US" altLang="ja-JP" dirty="0"/>
           </a:p>
+          <a:p>
+            <a:r>
+              <a:rPr lang="en-US" altLang="ja-JP" dirty="0"/>
+              <a:t>N=26,26</a:t>
+            </a:r>
+            <a:endParaRPr kumimoji="1" lang="en-US" altLang="ja-JP" dirty="0"/>
+          </a:p>
         </p:txBody>
       </p:sp>
       <p:sp>
@@ -8342,6 +8350,14 @@
               <a:rPr kumimoji="1" lang="ja-JP" altLang="en-US"/>
               <a:t>キー入力数の変化について</a:t>
             </a:r>
+            <a:endParaRPr kumimoji="1" lang="en-US" altLang="ja-JP" dirty="0"/>
+          </a:p>
+          <a:p>
+            <a:r>
+              <a:rPr lang="en-US" altLang="ja-JP" dirty="0"/>
+              <a:t>N=26,26</a:t>
+            </a:r>
+            <a:endParaRPr kumimoji="1" lang="ja-JP" altLang="en-US"/>
           </a:p>
         </p:txBody>
       </p:sp>
@@ -8712,6 +8728,13 @@
               <a:latin typeface="MS"/>
             </a:endParaRPr>
           </a:p>
+          <a:p>
+            <a:r>
+              <a:rPr lang="en-US" altLang="ja-JP" dirty="0"/>
+              <a:t>N=10,39</a:t>
+            </a:r>
+            <a:endParaRPr kumimoji="1" lang="ja-JP" altLang="en-US"/>
+          </a:p>
         </p:txBody>
       </p:sp>
       <p:sp>
@@ -8831,7 +8854,17 @@
                 <a:effectLst/>
                 <a:latin typeface="MS"/>
               </a:rPr>
-              <a:t>コンパイル数の変化について </a:t>
+              <a:t>コンパイル数の変化について</a:t>
+            </a:r>
+            <a:endParaRPr lang="en-US" altLang="ja-JP" sz="1800" dirty="0">
+              <a:effectLst/>
+              <a:latin typeface="MS"/>
+            </a:endParaRPr>
+          </a:p>
+          <a:p>
+            <a:r>
+              <a:rPr lang="en-US" altLang="ja-JP" dirty="0"/>
+              <a:t>N=10,39</a:t>
             </a:r>
             <a:endParaRPr lang="ja-JP" altLang="en-US"/>
           </a:p>
